--- a/Lectures/Л3.История развития вычислительной техники.Самостоятельная работа.pptx
+++ b/Lectures/Л3.История развития вычислительной техники.Самостоятельная работа.pptx
@@ -5,16 +5,17 @@
     <p:sldMasterId id="2147483648" r:id="rId1"/>
   </p:sldMasterIdLst>
   <p:notesMasterIdLst>
-    <p:notesMasterId r:id="rId6"/>
+    <p:notesMasterId r:id="rId7"/>
   </p:notesMasterIdLst>
   <p:handoutMasterIdLst>
-    <p:handoutMasterId r:id="rId7"/>
+    <p:handoutMasterId r:id="rId8"/>
   </p:handoutMasterIdLst>
   <p:sldIdLst>
     <p:sldId id="256" r:id="rId2"/>
-    <p:sldId id="462" r:id="rId3"/>
-    <p:sldId id="270" r:id="rId4"/>
-    <p:sldId id="272" r:id="rId5"/>
+    <p:sldId id="273" r:id="rId3"/>
+    <p:sldId id="274" r:id="rId4"/>
+    <p:sldId id="270" r:id="rId5"/>
+    <p:sldId id="272" r:id="rId6"/>
   </p:sldIdLst>
   <p:sldSz cx="9144000" cy="6858000" type="screen4x3"/>
   <p:notesSz cx="6858000" cy="9144000"/>
@@ -234,7 +235,7 @@
             <a:fld id="{378428AE-5650-4B42-BFF8-D1B3B4A7420A}" type="datetimeFigureOut">
               <a:rPr lang="mk-MK" smtClean="0"/>
               <a:pPr/>
-              <a:t>04.10.2016</a:t>
+              <a:t>02.11.2016</a:t>
             </a:fld>
             <a:endParaRPr lang="mk-MK"/>
           </a:p>
@@ -401,7 +402,7 @@
             <a:fld id="{6F0EC16C-4E39-4437-9D3D-DA1B32D534CC}" type="datetimeFigureOut">
               <a:rPr lang="mk-MK" smtClean="0"/>
               <a:pPr/>
-              <a:t>04.10.2016</a:t>
+              <a:t>02.11.2016</a:t>
             </a:fld>
             <a:endParaRPr lang="mk-MK"/>
           </a:p>
@@ -829,6 +830,11 @@
         </p:txBody>
       </p:sp>
     </p:spTree>
+    <p:extLst>
+      <p:ext uri="{BB962C8B-B14F-4D97-AF65-F5344CB8AC3E}">
+        <p14:creationId xmlns:p14="http://schemas.microsoft.com/office/powerpoint/2010/main" val="4097912970"/>
+      </p:ext>
+    </p:extLst>
   </p:cSld>
   <p:clrMapOvr>
     <a:masterClrMapping/>
@@ -911,6 +917,11 @@
         </p:txBody>
       </p:sp>
     </p:spTree>
+    <p:extLst>
+      <p:ext uri="{BB962C8B-B14F-4D97-AF65-F5344CB8AC3E}">
+        <p14:creationId xmlns:p14="http://schemas.microsoft.com/office/powerpoint/2010/main" val="3311294727"/>
+      </p:ext>
+    </p:extLst>
   </p:cSld>
   <p:clrMapOvr>
     <a:masterClrMapping/>
@@ -987,6 +998,88 @@
               <a:rPr lang="mk-MK" smtClean="0"/>
               <a:pPr/>
               <a:t>4</a:t>
+            </a:fld>
+            <a:endParaRPr lang="mk-MK"/>
+          </a:p>
+        </p:txBody>
+      </p:sp>
+    </p:spTree>
+  </p:cSld>
+  <p:clrMapOvr>
+    <a:masterClrMapping/>
+  </p:clrMapOvr>
+</p:notes>
+</file>
+
+<file path=ppt/notesSlides/notesSlide5.xml><?xml version="1.0" encoding="utf-8"?>
+<p:notes xmlns:a="http://schemas.openxmlformats.org/drawingml/2006/main" xmlns:r="http://schemas.openxmlformats.org/officeDocument/2006/relationships" xmlns:p="http://schemas.openxmlformats.org/presentationml/2006/main">
+  <p:cSld>
+    <p:spTree>
+      <p:nvGrpSpPr>
+        <p:cNvPr id="1" name=""/>
+        <p:cNvGrpSpPr/>
+        <p:nvPr/>
+      </p:nvGrpSpPr>
+      <p:grpSpPr>
+        <a:xfrm>
+          <a:off x="0" y="0"/>
+          <a:ext cx="0" cy="0"/>
+          <a:chOff x="0" y="0"/>
+          <a:chExt cx="0" cy="0"/>
+        </a:xfrm>
+      </p:grpSpPr>
+      <p:sp>
+        <p:nvSpPr>
+          <p:cNvPr id="2" name="Slide Image Placeholder 1"/>
+          <p:cNvSpPr>
+            <a:spLocks noGrp="1" noRot="1" noChangeAspect="1"/>
+          </p:cNvSpPr>
+          <p:nvPr>
+            <p:ph type="sldImg"/>
+          </p:nvPr>
+        </p:nvSpPr>
+        <p:spPr/>
+      </p:sp>
+      <p:sp>
+        <p:nvSpPr>
+          <p:cNvPr id="3" name="Notes Placeholder 2"/>
+          <p:cNvSpPr>
+            <a:spLocks noGrp="1"/>
+          </p:cNvSpPr>
+          <p:nvPr>
+            <p:ph type="body" idx="1"/>
+          </p:nvPr>
+        </p:nvSpPr>
+        <p:spPr/>
+        <p:txBody>
+          <a:bodyPr>
+            <a:normAutofit/>
+          </a:bodyPr>
+          <a:lstStyle/>
+          <a:p>
+            <a:endParaRPr lang="mk-MK" dirty="0"/>
+          </a:p>
+        </p:txBody>
+      </p:sp>
+      <p:sp>
+        <p:nvSpPr>
+          <p:cNvPr id="4" name="Slide Number Placeholder 3"/>
+          <p:cNvSpPr>
+            <a:spLocks noGrp="1"/>
+          </p:cNvSpPr>
+          <p:nvPr>
+            <p:ph type="sldNum" sz="quarter" idx="10"/>
+          </p:nvPr>
+        </p:nvSpPr>
+        <p:spPr/>
+        <p:txBody>
+          <a:bodyPr/>
+          <a:lstStyle/>
+          <a:p>
+            <a:fld id="{1BA0303B-A429-4010-B8B5-DDA049A7B3D1}" type="slidenum">
+              <a:rPr lang="mk-MK" smtClean="0"/>
+              <a:pPr/>
+              <a:t>5</a:t>
             </a:fld>
             <a:endParaRPr lang="mk-MK"/>
           </a:p>
@@ -1182,7 +1275,7 @@
             <a:fld id="{CB845B2A-B224-4861-96E7-AC6904DA25A1}" type="datetimeFigureOut">
               <a:rPr lang="mk-MK" smtClean="0"/>
               <a:pPr/>
-              <a:t>04.10.2016</a:t>
+              <a:t>02.11.2016</a:t>
             </a:fld>
             <a:endParaRPr lang="mk-MK"/>
           </a:p>
@@ -1349,7 +1442,7 @@
             <a:fld id="{CB845B2A-B224-4861-96E7-AC6904DA25A1}" type="datetimeFigureOut">
               <a:rPr lang="mk-MK" smtClean="0"/>
               <a:pPr/>
-              <a:t>04.10.2016</a:t>
+              <a:t>02.11.2016</a:t>
             </a:fld>
             <a:endParaRPr lang="mk-MK"/>
           </a:p>
@@ -1526,7 +1619,7 @@
             <a:fld id="{CB845B2A-B224-4861-96E7-AC6904DA25A1}" type="datetimeFigureOut">
               <a:rPr lang="mk-MK" smtClean="0"/>
               <a:pPr/>
-              <a:t>04.10.2016</a:t>
+              <a:t>02.11.2016</a:t>
             </a:fld>
             <a:endParaRPr lang="mk-MK"/>
           </a:p>
@@ -1693,7 +1786,7 @@
             <a:fld id="{CB845B2A-B224-4861-96E7-AC6904DA25A1}" type="datetimeFigureOut">
               <a:rPr lang="mk-MK" smtClean="0"/>
               <a:pPr/>
-              <a:t>04.10.2016</a:t>
+              <a:t>02.11.2016</a:t>
             </a:fld>
             <a:endParaRPr lang="mk-MK"/>
           </a:p>
@@ -1936,7 +2029,7 @@
             <a:fld id="{CB845B2A-B224-4861-96E7-AC6904DA25A1}" type="datetimeFigureOut">
               <a:rPr lang="mk-MK" smtClean="0"/>
               <a:pPr/>
-              <a:t>04.10.2016</a:t>
+              <a:t>02.11.2016</a:t>
             </a:fld>
             <a:endParaRPr lang="mk-MK"/>
           </a:p>
@@ -2221,7 +2314,7 @@
             <a:fld id="{CB845B2A-B224-4861-96E7-AC6904DA25A1}" type="datetimeFigureOut">
               <a:rPr lang="mk-MK" smtClean="0"/>
               <a:pPr/>
-              <a:t>04.10.2016</a:t>
+              <a:t>02.11.2016</a:t>
             </a:fld>
             <a:endParaRPr lang="mk-MK"/>
           </a:p>
@@ -2640,7 +2733,7 @@
             <a:fld id="{CB845B2A-B224-4861-96E7-AC6904DA25A1}" type="datetimeFigureOut">
               <a:rPr lang="mk-MK" smtClean="0"/>
               <a:pPr/>
-              <a:t>04.10.2016</a:t>
+              <a:t>02.11.2016</a:t>
             </a:fld>
             <a:endParaRPr lang="mk-MK"/>
           </a:p>
@@ -2755,7 +2848,7 @@
             <a:fld id="{CB845B2A-B224-4861-96E7-AC6904DA25A1}" type="datetimeFigureOut">
               <a:rPr lang="mk-MK" smtClean="0"/>
               <a:pPr/>
-              <a:t>04.10.2016</a:t>
+              <a:t>02.11.2016</a:t>
             </a:fld>
             <a:endParaRPr lang="mk-MK"/>
           </a:p>
@@ -2847,7 +2940,7 @@
             <a:fld id="{CB845B2A-B224-4861-96E7-AC6904DA25A1}" type="datetimeFigureOut">
               <a:rPr lang="mk-MK" smtClean="0"/>
               <a:pPr/>
-              <a:t>04.10.2016</a:t>
+              <a:t>02.11.2016</a:t>
             </a:fld>
             <a:endParaRPr lang="mk-MK"/>
           </a:p>
@@ -3121,7 +3214,7 @@
             <a:fld id="{CB845B2A-B224-4861-96E7-AC6904DA25A1}" type="datetimeFigureOut">
               <a:rPr lang="mk-MK" smtClean="0"/>
               <a:pPr/>
-              <a:t>04.10.2016</a:t>
+              <a:t>02.11.2016</a:t>
             </a:fld>
             <a:endParaRPr lang="mk-MK"/>
           </a:p>
@@ -3371,7 +3464,7 @@
             <a:fld id="{CB845B2A-B224-4861-96E7-AC6904DA25A1}" type="datetimeFigureOut">
               <a:rPr lang="mk-MK" smtClean="0"/>
               <a:pPr/>
-              <a:t>04.10.2016</a:t>
+              <a:t>02.11.2016</a:t>
             </a:fld>
             <a:endParaRPr lang="mk-MK"/>
           </a:p>
@@ -3590,7 +3683,7 @@
             <a:fld id="{CB845B2A-B224-4861-96E7-AC6904DA25A1}" type="datetimeFigureOut">
               <a:rPr lang="mk-MK" smtClean="0"/>
               <a:pPr/>
-              <a:t>04.10.2016</a:t>
+              <a:t>02.11.2016</a:t>
             </a:fld>
             <a:endParaRPr lang="mk-MK"/>
           </a:p>
@@ -4029,16 +4122,7 @@
                 </a:solidFill>
                 <a:latin typeface="Sansation" pitchFamily="2" charset="0"/>
               </a:rPr>
-              <a:t>. История развития вычислительной </a:t>
-            </a:r>
-            <a:r>
-              <a:rPr lang="ru-RU" sz="2000" b="1" dirty="0" smtClean="0">
-                <a:solidFill>
-                  <a:schemeClr val="bg1"/>
-                </a:solidFill>
-                <a:latin typeface="Sansation" pitchFamily="2" charset="0"/>
-              </a:rPr>
-              <a:t>техники</a:t>
+              <a:t>. История развития вычислительной техники</a:t>
             </a:r>
           </a:p>
           <a:p>
@@ -4863,7 +4947,7 @@
           <a:p>
             <a:pPr algn="ctr"/>
             <a:r>
-              <a:rPr lang="ru-RU" sz="1200" b="1" dirty="0" smtClean="0">
+              <a:rPr lang="ru-RU" sz="900" b="1" dirty="0" smtClean="0">
                 <a:solidFill>
                   <a:schemeClr val="bg1"/>
                 </a:solidFill>
@@ -4871,7 +4955,7 @@
               </a:rPr>
               <a:t>2</a:t>
             </a:r>
-            <a:endParaRPr lang="mk-MK" sz="1200" b="1" dirty="0" smtClean="0">
+            <a:endParaRPr lang="mk-MK" sz="900" b="1" dirty="0" smtClean="0">
               <a:solidFill>
                 <a:schemeClr val="bg1"/>
               </a:solidFill>
@@ -4946,8 +5030,8 @@
         </p:nvSpPr>
         <p:spPr>
           <a:xfrm>
-            <a:off x="138088" y="1257288"/>
-            <a:ext cx="1823564" cy="3785652"/>
+            <a:off x="138088" y="1626086"/>
+            <a:ext cx="2453648" cy="3046988"/>
           </a:xfrm>
           <a:prstGeom prst="rect">
             <a:avLst/>
@@ -5066,8 +5150,8 @@
         </p:blipFill>
         <p:spPr bwMode="auto">
           <a:xfrm>
-            <a:off x="2069862" y="1257288"/>
-            <a:ext cx="7026538" cy="4965512"/>
+            <a:off x="2591736" y="1626086"/>
+            <a:ext cx="6504664" cy="4596714"/>
           </a:xfrm>
           <a:prstGeom prst="rect">
             <a:avLst/>
@@ -5107,10 +5191,48 @@
           </a:extLst>
         </p:spPr>
       </p:pic>
+      <p:sp>
+        <p:nvSpPr>
+          <p:cNvPr id="11" name="Прямоугольник 10"/>
+          <p:cNvSpPr/>
+          <p:nvPr/>
+        </p:nvSpPr>
+        <p:spPr>
+          <a:xfrm>
+            <a:off x="138088" y="1255263"/>
+            <a:ext cx="2453648" cy="338554"/>
+          </a:xfrm>
+          <a:prstGeom prst="rect">
+            <a:avLst/>
+          </a:prstGeom>
+        </p:spPr>
+        <p:txBody>
+          <a:bodyPr wrap="square">
+            <a:spAutoFit/>
+          </a:bodyPr>
+          <a:lstStyle/>
+          <a:p>
+            <a:pPr algn="just"/>
+            <a:r>
+              <a:rPr lang="ru-RU" sz="1600" dirty="0" smtClean="0">
+                <a:solidFill>
+                  <a:srgbClr val="C00000"/>
+                </a:solidFill>
+              </a:rPr>
+              <a:t>Задание 1</a:t>
+            </a:r>
+            <a:endParaRPr lang="ru-RU" sz="1600" dirty="0">
+              <a:solidFill>
+                <a:srgbClr val="C00000"/>
+              </a:solidFill>
+            </a:endParaRPr>
+          </a:p>
+        </p:txBody>
+      </p:sp>
     </p:spTree>
     <p:extLst>
       <p:ext uri="{BB962C8B-B14F-4D97-AF65-F5344CB8AC3E}">
-        <p14:creationId xmlns:p14="http://schemas.microsoft.com/office/powerpoint/2010/main" val="372347854"/>
+        <p14:creationId xmlns:p14="http://schemas.microsoft.com/office/powerpoint/2010/main" val="929721730"/>
       </p:ext>
     </p:extLst>
   </p:cSld>
@@ -5417,6 +5539,694 @@
 <file path=ppt/slides/slide3.xml><?xml version="1.0" encoding="utf-8"?>
 <p:sld xmlns:a="http://schemas.openxmlformats.org/drawingml/2006/main" xmlns:r="http://schemas.openxmlformats.org/officeDocument/2006/relationships" xmlns:p="http://schemas.openxmlformats.org/presentationml/2006/main">
   <p:cSld>
+    <p:spTree>
+      <p:nvGrpSpPr>
+        <p:cNvPr id="1" name=""/>
+        <p:cNvGrpSpPr/>
+        <p:nvPr/>
+      </p:nvGrpSpPr>
+      <p:grpSpPr>
+        <a:xfrm>
+          <a:off x="0" y="0"/>
+          <a:ext cx="0" cy="0"/>
+          <a:chOff x="0" y="0"/>
+          <a:chExt cx="0" cy="0"/>
+        </a:xfrm>
+      </p:grpSpPr>
+      <p:pic>
+        <p:nvPicPr>
+          <p:cNvPr id="7" name="Picture 6" descr="arrow-left.png">
+            <a:hlinkClick r:id="" action="ppaction://hlinkshowjump?jump=previousslide"/>
+          </p:cNvPr>
+          <p:cNvPicPr>
+            <a:picLocks noChangeAspect="1"/>
+          </p:cNvPicPr>
+          <p:nvPr/>
+        </p:nvPicPr>
+        <p:blipFill>
+          <a:blip r:embed="rId3"/>
+          <a:stretch>
+            <a:fillRect/>
+          </a:stretch>
+        </p:blipFill>
+        <p:spPr>
+          <a:xfrm>
+            <a:off x="7356512" y="6279869"/>
+            <a:ext cx="835008" cy="556671"/>
+          </a:xfrm>
+          <a:prstGeom prst="rect">
+            <a:avLst/>
+          </a:prstGeom>
+        </p:spPr>
+      </p:pic>
+      <p:pic>
+        <p:nvPicPr>
+          <p:cNvPr id="8" name="Picture 7" descr="arrow-right.png">
+            <a:hlinkClick r:id="" action="ppaction://hlinkshowjump?jump=nextslide"/>
+          </p:cNvPr>
+          <p:cNvPicPr>
+            <a:picLocks noChangeAspect="1"/>
+          </p:cNvPicPr>
+          <p:nvPr/>
+        </p:nvPicPr>
+        <p:blipFill>
+          <a:blip r:embed="rId4"/>
+          <a:stretch>
+            <a:fillRect/>
+          </a:stretch>
+        </p:blipFill>
+        <p:spPr>
+          <a:xfrm>
+            <a:off x="8261392" y="6279869"/>
+            <a:ext cx="835008" cy="556671"/>
+          </a:xfrm>
+          <a:prstGeom prst="rect">
+            <a:avLst/>
+          </a:prstGeom>
+        </p:spPr>
+      </p:pic>
+      <p:sp>
+        <p:nvSpPr>
+          <p:cNvPr id="27" name="Subtitle 2"/>
+          <p:cNvSpPr>
+            <a:spLocks noGrp="1"/>
+          </p:cNvSpPr>
+          <p:nvPr>
+            <p:ph type="subTitle" idx="1"/>
+          </p:nvPr>
+        </p:nvSpPr>
+        <p:spPr>
+          <a:xfrm>
+            <a:off x="0" y="985824"/>
+            <a:ext cx="7181850" cy="260348"/>
+          </a:xfrm>
+          <a:solidFill>
+            <a:srgbClr val="E32C22"/>
+          </a:solidFill>
+          <a:effectLst/>
+        </p:spPr>
+        <p:txBody>
+          <a:bodyPr anchor="ctr" anchorCtr="0">
+            <a:noAutofit/>
+          </a:bodyPr>
+          <a:lstStyle/>
+          <a:p>
+            <a:pPr lvl="0" algn="r">
+              <a:defRPr/>
+            </a:pPr>
+            <a:r>
+              <a:rPr lang="ru-RU" sz="1600" b="1" dirty="0" smtClean="0">
+                <a:solidFill>
+                  <a:schemeClr val="bg1"/>
+                </a:solidFill>
+              </a:rPr>
+              <a:t>Задания для самостоятельной работы</a:t>
+            </a:r>
+            <a:endParaRPr lang="mk-MK" sz="1600" b="1" dirty="0">
+              <a:solidFill>
+                <a:schemeClr val="bg1"/>
+              </a:solidFill>
+            </a:endParaRPr>
+          </a:p>
+        </p:txBody>
+      </p:sp>
+      <p:sp>
+        <p:nvSpPr>
+          <p:cNvPr id="18" name="TextBox 17"/>
+          <p:cNvSpPr txBox="1"/>
+          <p:nvPr/>
+        </p:nvSpPr>
+        <p:spPr>
+          <a:xfrm>
+            <a:off x="8163737" y="330026"/>
+            <a:ext cx="542136" cy="253916"/>
+          </a:xfrm>
+          <a:prstGeom prst="rect">
+            <a:avLst/>
+          </a:prstGeom>
+          <a:noFill/>
+        </p:spPr>
+        <p:txBody>
+          <a:bodyPr wrap="none" rtlCol="0">
+            <a:spAutoFit/>
+          </a:bodyPr>
+          <a:lstStyle/>
+          <a:p>
+            <a:r>
+              <a:rPr lang="en-US" sz="1050" b="1" dirty="0" smtClean="0">
+                <a:solidFill>
+                  <a:schemeClr val="tx1">
+                    <a:lumMod val="75000"/>
+                    <a:lumOff val="25000"/>
+                  </a:schemeClr>
+                </a:solidFill>
+                <a:latin typeface="Sansation" pitchFamily="2" charset="0"/>
+              </a:rPr>
+              <a:t>PAGE</a:t>
+            </a:r>
+            <a:endParaRPr lang="mk-MK" sz="1200" b="1" dirty="0">
+              <a:solidFill>
+                <a:schemeClr val="tx1">
+                  <a:lumMod val="75000"/>
+                  <a:lumOff val="25000"/>
+                </a:schemeClr>
+              </a:solidFill>
+            </a:endParaRPr>
+          </a:p>
+        </p:txBody>
+      </p:sp>
+      <p:sp>
+        <p:nvSpPr>
+          <p:cNvPr id="19" name="Rectangle 18"/>
+          <p:cNvSpPr/>
+          <p:nvPr/>
+        </p:nvSpPr>
+        <p:spPr>
+          <a:xfrm>
+            <a:off x="8191520" y="0"/>
+            <a:ext cx="452440" cy="361952"/>
+          </a:xfrm>
+          <a:prstGeom prst="rect">
+            <a:avLst/>
+          </a:prstGeom>
+          <a:solidFill>
+            <a:srgbClr val="333030"/>
+          </a:solidFill>
+          <a:ln>
+            <a:noFill/>
+          </a:ln>
+        </p:spPr>
+        <p:style>
+          <a:lnRef idx="2">
+            <a:schemeClr val="accent1">
+              <a:shade val="50000"/>
+            </a:schemeClr>
+          </a:lnRef>
+          <a:fillRef idx="1">
+            <a:schemeClr val="accent1"/>
+          </a:fillRef>
+          <a:effectRef idx="0">
+            <a:schemeClr val="accent1"/>
+          </a:effectRef>
+          <a:fontRef idx="minor">
+            <a:schemeClr val="lt1"/>
+          </a:fontRef>
+        </p:style>
+        <p:txBody>
+          <a:bodyPr rtlCol="0" anchor="ctr"/>
+          <a:lstStyle/>
+          <a:p>
+            <a:pPr algn="ctr"/>
+            <a:r>
+              <a:rPr lang="ru-RU" sz="900" b="1" dirty="0" smtClean="0">
+                <a:solidFill>
+                  <a:schemeClr val="bg1"/>
+                </a:solidFill>
+                <a:latin typeface="Sansation" pitchFamily="2" charset="0"/>
+              </a:rPr>
+              <a:t>3</a:t>
+            </a:r>
+            <a:endParaRPr lang="mk-MK" sz="900" b="1" dirty="0" smtClean="0">
+              <a:solidFill>
+                <a:schemeClr val="bg1"/>
+              </a:solidFill>
+            </a:endParaRPr>
+          </a:p>
+        </p:txBody>
+      </p:sp>
+      <p:sp>
+        <p:nvSpPr>
+          <p:cNvPr id="16" name="TextBox 15"/>
+          <p:cNvSpPr txBox="1"/>
+          <p:nvPr/>
+        </p:nvSpPr>
+        <p:spPr>
+          <a:xfrm>
+            <a:off x="138088" y="352408"/>
+            <a:ext cx="7148552" cy="400110"/>
+          </a:xfrm>
+          <a:prstGeom prst="rect">
+            <a:avLst/>
+          </a:prstGeom>
+          <a:noFill/>
+        </p:spPr>
+        <p:txBody>
+          <a:bodyPr wrap="square" rtlCol="0">
+            <a:spAutoFit/>
+          </a:bodyPr>
+          <a:lstStyle/>
+          <a:p>
+            <a:pPr algn="r"/>
+            <a:r>
+              <a:rPr lang="ru-RU" sz="2000" b="1" dirty="0" smtClean="0">
+                <a:solidFill>
+                  <a:schemeClr val="tx1">
+                    <a:lumMod val="75000"/>
+                    <a:lumOff val="25000"/>
+                  </a:schemeClr>
+                </a:solidFill>
+                <a:latin typeface="Sansation" pitchFamily="2" charset="0"/>
+              </a:rPr>
+              <a:t>История развития  </a:t>
+            </a:r>
+            <a:r>
+              <a:rPr lang="ru-RU" sz="2000" b="1" dirty="0" smtClean="0">
+                <a:solidFill>
+                  <a:schemeClr val="tx1">
+                    <a:lumMod val="50000"/>
+                    <a:lumOff val="50000"/>
+                  </a:schemeClr>
+                </a:solidFill>
+                <a:latin typeface="Sansation" pitchFamily="2" charset="0"/>
+              </a:rPr>
+              <a:t>вычислительной техники</a:t>
+            </a:r>
+            <a:endParaRPr lang="mk-MK" sz="2000" b="1" dirty="0">
+              <a:solidFill>
+                <a:schemeClr val="tx1">
+                  <a:lumMod val="75000"/>
+                  <a:lumOff val="25000"/>
+                </a:schemeClr>
+              </a:solidFill>
+              <a:latin typeface="Sansation" pitchFamily="2" charset="0"/>
+            </a:endParaRPr>
+          </a:p>
+        </p:txBody>
+      </p:sp>
+      <p:sp>
+        <p:nvSpPr>
+          <p:cNvPr id="10" name="Прямоугольник 9"/>
+          <p:cNvSpPr/>
+          <p:nvPr/>
+        </p:nvSpPr>
+        <p:spPr>
+          <a:xfrm>
+            <a:off x="138088" y="1446747"/>
+            <a:ext cx="8567785" cy="2308324"/>
+          </a:xfrm>
+          <a:prstGeom prst="rect">
+            <a:avLst/>
+          </a:prstGeom>
+        </p:spPr>
+        <p:txBody>
+          <a:bodyPr wrap="square">
+            <a:spAutoFit/>
+          </a:bodyPr>
+          <a:lstStyle/>
+          <a:p>
+            <a:pPr algn="just"/>
+            <a:endParaRPr lang="ru-RU" sz="1600" dirty="0" smtClean="0"/>
+          </a:p>
+          <a:p>
+            <a:pPr marL="342900" indent="-342900" algn="just">
+              <a:buAutoNum type="arabicPeriod"/>
+            </a:pPr>
+            <a:r>
+              <a:rPr lang="ru-RU" sz="1600" dirty="0" smtClean="0"/>
+              <a:t>Выбрать из временного промежутка с 1938 года по настоящее время один год (чтобы не было пересечений при выполнении задания внутри группы).</a:t>
+            </a:r>
+          </a:p>
+          <a:p>
+            <a:pPr marL="342900" indent="-342900" algn="just">
+              <a:buAutoNum type="arabicPeriod"/>
+            </a:pPr>
+            <a:r>
+              <a:rPr lang="ru-RU" sz="1600" dirty="0" smtClean="0"/>
+              <a:t>В рамках выбранного года найти от 1 до 8 событий, связанных с развитием ВТ, технологий, изобретениями, совершенствования технологий и т.д. в России и за рубежом.</a:t>
+            </a:r>
+          </a:p>
+          <a:p>
+            <a:pPr marL="342900" indent="-342900" algn="just">
+              <a:buAutoNum type="arabicPeriod"/>
+            </a:pPr>
+            <a:r>
+              <a:rPr lang="ru-RU" sz="1600" dirty="0" smtClean="0"/>
+              <a:t>На основе найденного материала составить презентацию. В качестве шаблона можно использовать презентацию по данной лекции. </a:t>
+            </a:r>
+            <a:endParaRPr lang="ru-RU" sz="1600" dirty="0" smtClean="0"/>
+          </a:p>
+          <a:p>
+            <a:pPr marL="342900" indent="-342900" algn="just">
+              <a:buAutoNum type="arabicParenR"/>
+            </a:pPr>
+            <a:endParaRPr lang="ru-RU" sz="1600" dirty="0" smtClean="0"/>
+          </a:p>
+          <a:p>
+            <a:pPr marL="342900" indent="-342900" algn="just">
+              <a:buAutoNum type="arabicParenR"/>
+            </a:pPr>
+            <a:endParaRPr lang="ru-RU" sz="1600" dirty="0"/>
+          </a:p>
+        </p:txBody>
+      </p:sp>
+      <p:sp>
+        <p:nvSpPr>
+          <p:cNvPr id="9" name="Прямоугольник 8"/>
+          <p:cNvSpPr/>
+          <p:nvPr/>
+        </p:nvSpPr>
+        <p:spPr>
+          <a:xfrm>
+            <a:off x="138088" y="1255263"/>
+            <a:ext cx="2453648" cy="338554"/>
+          </a:xfrm>
+          <a:prstGeom prst="rect">
+            <a:avLst/>
+          </a:prstGeom>
+        </p:spPr>
+        <p:txBody>
+          <a:bodyPr wrap="square">
+            <a:spAutoFit/>
+          </a:bodyPr>
+          <a:lstStyle/>
+          <a:p>
+            <a:pPr algn="just"/>
+            <a:r>
+              <a:rPr lang="ru-RU" sz="1600" dirty="0" smtClean="0">
+                <a:solidFill>
+                  <a:srgbClr val="C00000"/>
+                </a:solidFill>
+              </a:rPr>
+              <a:t>Задание 2</a:t>
+            </a:r>
+            <a:endParaRPr lang="ru-RU" sz="1600" dirty="0">
+              <a:solidFill>
+                <a:srgbClr val="C00000"/>
+              </a:solidFill>
+            </a:endParaRPr>
+          </a:p>
+        </p:txBody>
+      </p:sp>
+    </p:spTree>
+    <p:extLst>
+      <p:ext uri="{BB962C8B-B14F-4D97-AF65-F5344CB8AC3E}">
+        <p14:creationId xmlns:p14="http://schemas.microsoft.com/office/powerpoint/2010/main" val="2320092749"/>
+      </p:ext>
+    </p:extLst>
+  </p:cSld>
+  <p:clrMapOvr>
+    <a:masterClrMapping/>
+  </p:clrMapOvr>
+  <p:timing>
+    <p:tnLst>
+      <p:par>
+        <p:cTn id="1" dur="indefinite" restart="never" nodeType="tmRoot">
+          <p:childTnLst>
+            <p:seq concurrent="1" nextAc="seek">
+              <p:cTn id="2" dur="indefinite" nodeType="mainSeq">
+                <p:childTnLst>
+                  <p:par>
+                    <p:cTn id="3" fill="hold">
+                      <p:stCondLst>
+                        <p:cond delay="indefinite"/>
+                        <p:cond evt="onBegin" delay="0">
+                          <p:tn val="2"/>
+                        </p:cond>
+                      </p:stCondLst>
+                      <p:childTnLst>
+                        <p:par>
+                          <p:cTn id="4" fill="hold">
+                            <p:stCondLst>
+                              <p:cond delay="0"/>
+                            </p:stCondLst>
+                            <p:childTnLst>
+                              <p:par>
+                                <p:cTn id="5" presetID="12" presetClass="entr" presetSubtype="4" fill="hold" grpId="0" nodeType="afterEffect">
+                                  <p:stCondLst>
+                                    <p:cond delay="0"/>
+                                  </p:stCondLst>
+                                  <p:childTnLst>
+                                    <p:set>
+                                      <p:cBhvr>
+                                        <p:cTn id="6" dur="1" fill="hold">
+                                          <p:stCondLst>
+                                            <p:cond delay="0"/>
+                                          </p:stCondLst>
+                                        </p:cTn>
+                                        <p:tgtEl>
+                                          <p:spTgt spid="16"/>
+                                        </p:tgtEl>
+                                        <p:attrNameLst>
+                                          <p:attrName>style.visibility</p:attrName>
+                                        </p:attrNameLst>
+                                      </p:cBhvr>
+                                      <p:to>
+                                        <p:strVal val="visible"/>
+                                      </p:to>
+                                    </p:set>
+                                    <p:animEffect transition="in" filter="slide(fromBottom)">
+                                      <p:cBhvr>
+                                        <p:cTn id="7" dur="1000"/>
+                                        <p:tgtEl>
+                                          <p:spTgt spid="16"/>
+                                        </p:tgtEl>
+                                      </p:cBhvr>
+                                    </p:animEffect>
+                                  </p:childTnLst>
+                                </p:cTn>
+                              </p:par>
+                            </p:childTnLst>
+                          </p:cTn>
+                        </p:par>
+                        <p:par>
+                          <p:cTn id="8" fill="hold">
+                            <p:stCondLst>
+                              <p:cond delay="1000"/>
+                            </p:stCondLst>
+                            <p:childTnLst>
+                              <p:par>
+                                <p:cTn id="9" presetID="29" presetClass="entr" presetSubtype="0" fill="hold" grpId="0" nodeType="afterEffect">
+                                  <p:stCondLst>
+                                    <p:cond delay="0"/>
+                                  </p:stCondLst>
+                                  <p:childTnLst>
+                                    <p:set>
+                                      <p:cBhvr>
+                                        <p:cTn id="10" dur="1" fill="hold">
+                                          <p:stCondLst>
+                                            <p:cond delay="0"/>
+                                          </p:stCondLst>
+                                        </p:cTn>
+                                        <p:tgtEl>
+                                          <p:spTgt spid="27">
+                                            <p:bg/>
+                                          </p:spTgt>
+                                        </p:tgtEl>
+                                        <p:attrNameLst>
+                                          <p:attrName>style.visibility</p:attrName>
+                                        </p:attrNameLst>
+                                      </p:cBhvr>
+                                      <p:to>
+                                        <p:strVal val="visible"/>
+                                      </p:to>
+                                    </p:set>
+                                    <p:anim calcmode="lin" valueType="num">
+                                      <p:cBhvr>
+                                        <p:cTn id="11" dur="1000" fill="hold"/>
+                                        <p:tgtEl>
+                                          <p:spTgt spid="27">
+                                            <p:bg/>
+                                          </p:spTgt>
+                                        </p:tgtEl>
+                                        <p:attrNameLst>
+                                          <p:attrName>ppt_x</p:attrName>
+                                        </p:attrNameLst>
+                                      </p:cBhvr>
+                                      <p:tavLst>
+                                        <p:tav tm="0">
+                                          <p:val>
+                                            <p:strVal val="#ppt_x-.2"/>
+                                          </p:val>
+                                        </p:tav>
+                                        <p:tav tm="100000">
+                                          <p:val>
+                                            <p:strVal val="#ppt_x"/>
+                                          </p:val>
+                                        </p:tav>
+                                      </p:tavLst>
+                                    </p:anim>
+                                    <p:anim calcmode="lin" valueType="num">
+                                      <p:cBhvr>
+                                        <p:cTn id="12" dur="1000" fill="hold"/>
+                                        <p:tgtEl>
+                                          <p:spTgt spid="27">
+                                            <p:bg/>
+                                          </p:spTgt>
+                                        </p:tgtEl>
+                                        <p:attrNameLst>
+                                          <p:attrName>ppt_y</p:attrName>
+                                        </p:attrNameLst>
+                                      </p:cBhvr>
+                                      <p:tavLst>
+                                        <p:tav tm="0">
+                                          <p:val>
+                                            <p:strVal val="#ppt_y"/>
+                                          </p:val>
+                                        </p:tav>
+                                        <p:tav tm="100000">
+                                          <p:val>
+                                            <p:strVal val="#ppt_y"/>
+                                          </p:val>
+                                        </p:tav>
+                                      </p:tavLst>
+                                    </p:anim>
+                                    <p:animEffect transition="in" filter="wipe(right)" prLst="gradientSize: 0.1">
+                                      <p:cBhvr>
+                                        <p:cTn id="13" dur="1000"/>
+                                        <p:tgtEl>
+                                          <p:spTgt spid="27">
+                                            <p:bg/>
+                                          </p:spTgt>
+                                        </p:tgtEl>
+                                      </p:cBhvr>
+                                    </p:animEffect>
+                                  </p:childTnLst>
+                                </p:cTn>
+                              </p:par>
+                            </p:childTnLst>
+                          </p:cTn>
+                        </p:par>
+                        <p:par>
+                          <p:cTn id="14" fill="hold">
+                            <p:stCondLst>
+                              <p:cond delay="2000"/>
+                            </p:stCondLst>
+                            <p:childTnLst>
+                              <p:par>
+                                <p:cTn id="15" presetID="29" presetClass="entr" presetSubtype="0" fill="hold" grpId="0" nodeType="afterEffect">
+                                  <p:stCondLst>
+                                    <p:cond delay="0"/>
+                                  </p:stCondLst>
+                                  <p:childTnLst>
+                                    <p:set>
+                                      <p:cBhvr>
+                                        <p:cTn id="16" dur="1" fill="hold">
+                                          <p:stCondLst>
+                                            <p:cond delay="0"/>
+                                          </p:stCondLst>
+                                        </p:cTn>
+                                        <p:tgtEl>
+                                          <p:spTgt spid="27">
+                                            <p:txEl>
+                                              <p:pRg st="0" end="0"/>
+                                            </p:txEl>
+                                          </p:spTgt>
+                                        </p:tgtEl>
+                                        <p:attrNameLst>
+                                          <p:attrName>style.visibility</p:attrName>
+                                        </p:attrNameLst>
+                                      </p:cBhvr>
+                                      <p:to>
+                                        <p:strVal val="visible"/>
+                                      </p:to>
+                                    </p:set>
+                                    <p:anim calcmode="lin" valueType="num">
+                                      <p:cBhvr>
+                                        <p:cTn id="17" dur="1000" fill="hold"/>
+                                        <p:tgtEl>
+                                          <p:spTgt spid="27">
+                                            <p:txEl>
+                                              <p:pRg st="0" end="0"/>
+                                            </p:txEl>
+                                          </p:spTgt>
+                                        </p:tgtEl>
+                                        <p:attrNameLst>
+                                          <p:attrName>ppt_x</p:attrName>
+                                        </p:attrNameLst>
+                                      </p:cBhvr>
+                                      <p:tavLst>
+                                        <p:tav tm="0">
+                                          <p:val>
+                                            <p:strVal val="#ppt_x-.2"/>
+                                          </p:val>
+                                        </p:tav>
+                                        <p:tav tm="100000">
+                                          <p:val>
+                                            <p:strVal val="#ppt_x"/>
+                                          </p:val>
+                                        </p:tav>
+                                      </p:tavLst>
+                                    </p:anim>
+                                    <p:anim calcmode="lin" valueType="num">
+                                      <p:cBhvr>
+                                        <p:cTn id="18" dur="1000" fill="hold"/>
+                                        <p:tgtEl>
+                                          <p:spTgt spid="27">
+                                            <p:txEl>
+                                              <p:pRg st="0" end="0"/>
+                                            </p:txEl>
+                                          </p:spTgt>
+                                        </p:tgtEl>
+                                        <p:attrNameLst>
+                                          <p:attrName>ppt_y</p:attrName>
+                                        </p:attrNameLst>
+                                      </p:cBhvr>
+                                      <p:tavLst>
+                                        <p:tav tm="0">
+                                          <p:val>
+                                            <p:strVal val="#ppt_y"/>
+                                          </p:val>
+                                        </p:tav>
+                                        <p:tav tm="100000">
+                                          <p:val>
+                                            <p:strVal val="#ppt_y"/>
+                                          </p:val>
+                                        </p:tav>
+                                      </p:tavLst>
+                                    </p:anim>
+                                    <p:animEffect transition="in" filter="wipe(right)" prLst="gradientSize: 0.1">
+                                      <p:cBhvr>
+                                        <p:cTn id="19" dur="1000"/>
+                                        <p:tgtEl>
+                                          <p:spTgt spid="27">
+                                            <p:txEl>
+                                              <p:pRg st="0" end="0"/>
+                                            </p:txEl>
+                                          </p:spTgt>
+                                        </p:tgtEl>
+                                      </p:cBhvr>
+                                    </p:animEffect>
+                                  </p:childTnLst>
+                                </p:cTn>
+                              </p:par>
+                            </p:childTnLst>
+                          </p:cTn>
+                        </p:par>
+                      </p:childTnLst>
+                    </p:cTn>
+                  </p:par>
+                </p:childTnLst>
+              </p:cTn>
+              <p:prevCondLst>
+                <p:cond evt="onPrev" delay="0">
+                  <p:tgtEl>
+                    <p:sldTgt/>
+                  </p:tgtEl>
+                </p:cond>
+              </p:prevCondLst>
+              <p:nextCondLst>
+                <p:cond evt="onNext" delay="0">
+                  <p:tgtEl>
+                    <p:sldTgt/>
+                  </p:tgtEl>
+                </p:cond>
+              </p:nextCondLst>
+            </p:seq>
+          </p:childTnLst>
+        </p:cTn>
+      </p:par>
+    </p:tnLst>
+    <p:bldLst>
+      <p:bldP spid="27" grpId="0" build="allAtOnce" animBg="1"/>
+      <p:bldP spid="16" grpId="0"/>
+    </p:bldLst>
+  </p:timing>
+</p:sld>
+</file>
+
+<file path=ppt/slides/slide4.xml><?xml version="1.0" encoding="utf-8"?>
+<p:sld xmlns:a="http://schemas.openxmlformats.org/drawingml/2006/main" xmlns:r="http://schemas.openxmlformats.org/officeDocument/2006/relationships" xmlns:p="http://schemas.openxmlformats.org/presentationml/2006/main">
+  <p:cSld>
     <p:bg>
       <p:bgPr>
         <a:blipFill dpi="0" rotWithShape="1">
@@ -5563,7 +6373,7 @@
 </p:sld>
 </file>
 
-<file path=ppt/slides/slide4.xml><?xml version="1.0" encoding="utf-8"?>
+<file path=ppt/slides/slide5.xml><?xml version="1.0" encoding="utf-8"?>
 <p:sld xmlns:a="http://schemas.openxmlformats.org/drawingml/2006/main" xmlns:r="http://schemas.openxmlformats.org/officeDocument/2006/relationships" xmlns:p="http://schemas.openxmlformats.org/presentationml/2006/main">
   <p:cSld>
     <p:bg>
